--- a/Proje/Commits.pptx
+++ b/Proje/Commits.pptx
@@ -6,6 +6,9 @@
   </p:sldMasterIdLst>
   <p:sldIdLst>
     <p:sldId id="256" r:id="rId2"/>
+    <p:sldId id="257" r:id="rId3"/>
+    <p:sldId id="258" r:id="rId4"/>
+    <p:sldId id="259" r:id="rId5"/>
   </p:sldIdLst>
   <p:sldSz cx="12192000" cy="6858000"/>
   <p:notesSz cx="6858000" cy="9144000"/>
@@ -104,6 +107,11 @@
       </a:defRPr>
     </a:lvl9pPr>
   </p:defaultTextStyle>
+  <p:extLst>
+    <p:ext uri="{EFAFB233-063F-42B5-8137-9DF3F51BA10A}">
+      <p15:sldGuideLst xmlns:p15="http://schemas.microsoft.com/office/powerpoint/2012/main"/>
+    </p:ext>
+  </p:extLst>
 </p:presentation>
 </file>
 
@@ -238,7 +246,7 @@
           <a:p>
             <a:fld id="{A1DD1BA7-70F8-429A-B40F-D7C661990747}" type="datetimeFigureOut">
               <a:rPr lang="en-US" smtClean="0"/>
-              <a:t>12/7/2024</a:t>
+              <a:t>12/11/2024</a:t>
             </a:fld>
             <a:endParaRPr lang="en-US"/>
           </a:p>
@@ -408,7 +416,7 @@
           <a:p>
             <a:fld id="{A1DD1BA7-70F8-429A-B40F-D7C661990747}" type="datetimeFigureOut">
               <a:rPr lang="en-US" smtClean="0"/>
-              <a:t>12/7/2024</a:t>
+              <a:t>12/11/2024</a:t>
             </a:fld>
             <a:endParaRPr lang="en-US"/>
           </a:p>
@@ -588,7 +596,7 @@
           <a:p>
             <a:fld id="{A1DD1BA7-70F8-429A-B40F-D7C661990747}" type="datetimeFigureOut">
               <a:rPr lang="en-US" smtClean="0"/>
-              <a:t>12/7/2024</a:t>
+              <a:t>12/11/2024</a:t>
             </a:fld>
             <a:endParaRPr lang="en-US"/>
           </a:p>
@@ -758,7 +766,7 @@
           <a:p>
             <a:fld id="{A1DD1BA7-70F8-429A-B40F-D7C661990747}" type="datetimeFigureOut">
               <a:rPr lang="en-US" smtClean="0"/>
-              <a:t>12/7/2024</a:t>
+              <a:t>12/11/2024</a:t>
             </a:fld>
             <a:endParaRPr lang="en-US"/>
           </a:p>
@@ -1004,7 +1012,7 @@
           <a:p>
             <a:fld id="{A1DD1BA7-70F8-429A-B40F-D7C661990747}" type="datetimeFigureOut">
               <a:rPr lang="en-US" smtClean="0"/>
-              <a:t>12/7/2024</a:t>
+              <a:t>12/11/2024</a:t>
             </a:fld>
             <a:endParaRPr lang="en-US"/>
           </a:p>
@@ -1236,7 +1244,7 @@
           <a:p>
             <a:fld id="{A1DD1BA7-70F8-429A-B40F-D7C661990747}" type="datetimeFigureOut">
               <a:rPr lang="en-US" smtClean="0"/>
-              <a:t>12/7/2024</a:t>
+              <a:t>12/11/2024</a:t>
             </a:fld>
             <a:endParaRPr lang="en-US"/>
           </a:p>
@@ -1603,7 +1611,7 @@
           <a:p>
             <a:fld id="{A1DD1BA7-70F8-429A-B40F-D7C661990747}" type="datetimeFigureOut">
               <a:rPr lang="en-US" smtClean="0"/>
-              <a:t>12/7/2024</a:t>
+              <a:t>12/11/2024</a:t>
             </a:fld>
             <a:endParaRPr lang="en-US"/>
           </a:p>
@@ -1721,7 +1729,7 @@
           <a:p>
             <a:fld id="{A1DD1BA7-70F8-429A-B40F-D7C661990747}" type="datetimeFigureOut">
               <a:rPr lang="en-US" smtClean="0"/>
-              <a:t>12/7/2024</a:t>
+              <a:t>12/11/2024</a:t>
             </a:fld>
             <a:endParaRPr lang="en-US"/>
           </a:p>
@@ -1816,7 +1824,7 @@
           <a:p>
             <a:fld id="{A1DD1BA7-70F8-429A-B40F-D7C661990747}" type="datetimeFigureOut">
               <a:rPr lang="en-US" smtClean="0"/>
-              <a:t>12/7/2024</a:t>
+              <a:t>12/11/2024</a:t>
             </a:fld>
             <a:endParaRPr lang="en-US"/>
           </a:p>
@@ -2093,7 +2101,7 @@
           <a:p>
             <a:fld id="{A1DD1BA7-70F8-429A-B40F-D7C661990747}" type="datetimeFigureOut">
               <a:rPr lang="en-US" smtClean="0"/>
-              <a:t>12/7/2024</a:t>
+              <a:t>12/11/2024</a:t>
             </a:fld>
             <a:endParaRPr lang="en-US"/>
           </a:p>
@@ -2346,7 +2354,7 @@
           <a:p>
             <a:fld id="{A1DD1BA7-70F8-429A-B40F-D7C661990747}" type="datetimeFigureOut">
               <a:rPr lang="en-US" smtClean="0"/>
-              <a:t>12/7/2024</a:t>
+              <a:t>12/11/2024</a:t>
             </a:fld>
             <a:endParaRPr lang="en-US"/>
           </a:p>
@@ -2559,7 +2567,7 @@
           <a:p>
             <a:fld id="{A1DD1BA7-70F8-429A-B40F-D7C661990747}" type="datetimeFigureOut">
               <a:rPr lang="en-US" smtClean="0"/>
-              <a:t>12/7/2024</a:t>
+              <a:t>12/11/2024</a:t>
             </a:fld>
             <a:endParaRPr lang="en-US"/>
           </a:p>
@@ -2985,14 +2993,52 @@
         </p:blipFill>
         <p:spPr>
           <a:xfrm>
-            <a:off x="310227" y="1"/>
-            <a:ext cx="11510653" cy="6857999"/>
+            <a:off x="214305" y="1"/>
+            <a:ext cx="11606575" cy="6915149"/>
           </a:xfrm>
           <a:prstGeom prst="rect">
             <a:avLst/>
           </a:prstGeom>
         </p:spPr>
       </p:pic>
+      <p:sp>
+        <p:nvSpPr>
+          <p:cNvPr id="2" name="Metin kutusu 1"/>
+          <p:cNvSpPr txBox="1"/>
+          <p:nvPr/>
+        </p:nvSpPr>
+        <p:spPr>
+          <a:xfrm>
+            <a:off x="9797143" y="6008915"/>
+            <a:ext cx="2979963" cy="523220"/>
+          </a:xfrm>
+          <a:prstGeom prst="rect">
+            <a:avLst/>
+          </a:prstGeom>
+          <a:noFill/>
+        </p:spPr>
+        <p:txBody>
+          <a:bodyPr wrap="square" rtlCol="0">
+            <a:spAutoFit/>
+          </a:bodyPr>
+          <a:lstStyle/>
+          <a:p>
+            <a:r>
+              <a:rPr lang="en-US" sz="2800" dirty="0" smtClean="0">
+                <a:solidFill>
+                  <a:schemeClr val="bg1"/>
+                </a:solidFill>
+              </a:rPr>
+              <a:t>07/12/2024</a:t>
+            </a:r>
+            <a:endParaRPr lang="en-US" sz="2800" dirty="0">
+              <a:solidFill>
+                <a:schemeClr val="bg1"/>
+              </a:solidFill>
+            </a:endParaRPr>
+          </a:p>
+        </p:txBody>
+      </p:sp>
     </p:spTree>
     <p:extLst>
       <p:ext uri="{BB962C8B-B14F-4D97-AF65-F5344CB8AC3E}">
@@ -3003,6 +3049,328 @@
   <p:clrMapOvr>
     <a:masterClrMapping/>
   </p:clrMapOvr>
+  <p:timing>
+    <p:tnLst>
+      <p:par>
+        <p:cTn id="1" dur="indefinite" restart="never" nodeType="tmRoot"/>
+      </p:par>
+    </p:tnLst>
+  </p:timing>
+</p:sld>
+</file>
+
+<file path=ppt/slides/slide2.xml><?xml version="1.0" encoding="utf-8"?>
+<p:sld xmlns:a="http://schemas.openxmlformats.org/drawingml/2006/main" xmlns:r="http://schemas.openxmlformats.org/officeDocument/2006/relationships" xmlns:p="http://schemas.openxmlformats.org/presentationml/2006/main">
+  <p:cSld>
+    <p:spTree>
+      <p:nvGrpSpPr>
+        <p:cNvPr id="1" name=""/>
+        <p:cNvGrpSpPr/>
+        <p:nvPr/>
+      </p:nvGrpSpPr>
+      <p:grpSpPr>
+        <a:xfrm>
+          <a:off x="0" y="0"/>
+          <a:ext cx="0" cy="0"/>
+          <a:chOff x="0" y="0"/>
+          <a:chExt cx="0" cy="0"/>
+        </a:xfrm>
+      </p:grpSpPr>
+      <p:pic>
+        <p:nvPicPr>
+          <p:cNvPr id="4" name="Resim 3"/>
+          <p:cNvPicPr>
+            <a:picLocks noChangeAspect="1"/>
+          </p:cNvPicPr>
+          <p:nvPr/>
+        </p:nvPicPr>
+        <p:blipFill>
+          <a:blip r:embed="rId2">
+            <a:extLst>
+              <a:ext uri="{28A0092B-C50C-407E-A947-70E740481C1C}">
+                <a14:useLocalDpi xmlns:a14="http://schemas.microsoft.com/office/drawing/2010/main" val="0"/>
+              </a:ext>
+            </a:extLst>
+          </a:blip>
+          <a:stretch>
+            <a:fillRect/>
+          </a:stretch>
+        </p:blipFill>
+        <p:spPr>
+          <a:xfrm>
+            <a:off x="320842" y="0"/>
+            <a:ext cx="11550316" cy="6858000"/>
+          </a:xfrm>
+          <a:prstGeom prst="rect">
+            <a:avLst/>
+          </a:prstGeom>
+        </p:spPr>
+      </p:pic>
+      <p:sp>
+        <p:nvSpPr>
+          <p:cNvPr id="5" name="Metin kutusu 4"/>
+          <p:cNvSpPr txBox="1"/>
+          <p:nvPr/>
+        </p:nvSpPr>
+        <p:spPr>
+          <a:xfrm>
+            <a:off x="9813471" y="6334780"/>
+            <a:ext cx="2979963" cy="523220"/>
+          </a:xfrm>
+          <a:prstGeom prst="rect">
+            <a:avLst/>
+          </a:prstGeom>
+          <a:noFill/>
+        </p:spPr>
+        <p:txBody>
+          <a:bodyPr wrap="square" rtlCol="0">
+            <a:spAutoFit/>
+          </a:bodyPr>
+          <a:lstStyle/>
+          <a:p>
+            <a:r>
+              <a:rPr lang="en-US" sz="2800" dirty="0" smtClean="0">
+                <a:solidFill>
+                  <a:schemeClr val="bg1"/>
+                </a:solidFill>
+              </a:rPr>
+              <a:t>11/12/2024</a:t>
+            </a:r>
+            <a:endParaRPr lang="en-US" sz="2800" dirty="0">
+              <a:solidFill>
+                <a:schemeClr val="bg1"/>
+              </a:solidFill>
+            </a:endParaRPr>
+          </a:p>
+        </p:txBody>
+      </p:sp>
+    </p:spTree>
+    <p:extLst>
+      <p:ext uri="{BB962C8B-B14F-4D97-AF65-F5344CB8AC3E}">
+        <p14:creationId xmlns:p14="http://schemas.microsoft.com/office/powerpoint/2010/main" val="4212119411"/>
+      </p:ext>
+    </p:extLst>
+  </p:cSld>
+  <p:clrMapOvr>
+    <a:masterClrMapping/>
+  </p:clrMapOvr>
+  <p:timing>
+    <p:tnLst>
+      <p:par>
+        <p:cTn id="1" dur="indefinite" restart="never" nodeType="tmRoot"/>
+      </p:par>
+    </p:tnLst>
+  </p:timing>
+</p:sld>
+</file>
+
+<file path=ppt/slides/slide3.xml><?xml version="1.0" encoding="utf-8"?>
+<p:sld xmlns:a="http://schemas.openxmlformats.org/drawingml/2006/main" xmlns:r="http://schemas.openxmlformats.org/officeDocument/2006/relationships" xmlns:p="http://schemas.openxmlformats.org/presentationml/2006/main">
+  <p:cSld>
+    <p:spTree>
+      <p:nvGrpSpPr>
+        <p:cNvPr id="1" name=""/>
+        <p:cNvGrpSpPr/>
+        <p:nvPr/>
+      </p:nvGrpSpPr>
+      <p:grpSpPr>
+        <a:xfrm>
+          <a:off x="0" y="0"/>
+          <a:ext cx="0" cy="0"/>
+          <a:chOff x="0" y="0"/>
+          <a:chExt cx="0" cy="0"/>
+        </a:xfrm>
+      </p:grpSpPr>
+      <p:pic>
+        <p:nvPicPr>
+          <p:cNvPr id="4" name="Resim 3"/>
+          <p:cNvPicPr>
+            <a:picLocks noChangeAspect="1"/>
+          </p:cNvPicPr>
+          <p:nvPr/>
+        </p:nvPicPr>
+        <p:blipFill>
+          <a:blip r:embed="rId2">
+            <a:extLst>
+              <a:ext uri="{28A0092B-C50C-407E-A947-70E740481C1C}">
+                <a14:useLocalDpi xmlns:a14="http://schemas.microsoft.com/office/drawing/2010/main" val="0"/>
+              </a:ext>
+            </a:extLst>
+          </a:blip>
+          <a:stretch>
+            <a:fillRect/>
+          </a:stretch>
+        </p:blipFill>
+        <p:spPr>
+          <a:xfrm>
+            <a:off x="320842" y="0"/>
+            <a:ext cx="11550316" cy="6858000"/>
+          </a:xfrm>
+          <a:prstGeom prst="rect">
+            <a:avLst/>
+          </a:prstGeom>
+        </p:spPr>
+      </p:pic>
+      <p:sp>
+        <p:nvSpPr>
+          <p:cNvPr id="5" name="Metin kutusu 4"/>
+          <p:cNvSpPr txBox="1"/>
+          <p:nvPr/>
+        </p:nvSpPr>
+        <p:spPr>
+          <a:xfrm>
+            <a:off x="9633857" y="6334780"/>
+            <a:ext cx="2979963" cy="523220"/>
+          </a:xfrm>
+          <a:prstGeom prst="rect">
+            <a:avLst/>
+          </a:prstGeom>
+          <a:noFill/>
+        </p:spPr>
+        <p:txBody>
+          <a:bodyPr wrap="square" rtlCol="0">
+            <a:spAutoFit/>
+          </a:bodyPr>
+          <a:lstStyle/>
+          <a:p>
+            <a:r>
+              <a:rPr lang="en-US" sz="2800" dirty="0" smtClean="0">
+                <a:solidFill>
+                  <a:schemeClr val="bg1"/>
+                </a:solidFill>
+              </a:rPr>
+              <a:t>11/12/2024</a:t>
+            </a:r>
+            <a:endParaRPr lang="en-US" sz="2800" dirty="0">
+              <a:solidFill>
+                <a:schemeClr val="bg1"/>
+              </a:solidFill>
+            </a:endParaRPr>
+          </a:p>
+        </p:txBody>
+      </p:sp>
+    </p:spTree>
+    <p:extLst>
+      <p:ext uri="{BB962C8B-B14F-4D97-AF65-F5344CB8AC3E}">
+        <p14:creationId xmlns:p14="http://schemas.microsoft.com/office/powerpoint/2010/main" val="2994784296"/>
+      </p:ext>
+    </p:extLst>
+  </p:cSld>
+  <p:clrMapOvr>
+    <a:masterClrMapping/>
+  </p:clrMapOvr>
+  <p:timing>
+    <p:tnLst>
+      <p:par>
+        <p:cTn id="1" dur="indefinite" restart="never" nodeType="tmRoot"/>
+      </p:par>
+    </p:tnLst>
+  </p:timing>
+</p:sld>
+</file>
+
+<file path=ppt/slides/slide4.xml><?xml version="1.0" encoding="utf-8"?>
+<p:sld xmlns:a="http://schemas.openxmlformats.org/drawingml/2006/main" xmlns:r="http://schemas.openxmlformats.org/officeDocument/2006/relationships" xmlns:p="http://schemas.openxmlformats.org/presentationml/2006/main">
+  <p:cSld>
+    <p:spTree>
+      <p:nvGrpSpPr>
+        <p:cNvPr id="1" name=""/>
+        <p:cNvGrpSpPr/>
+        <p:nvPr/>
+      </p:nvGrpSpPr>
+      <p:grpSpPr>
+        <a:xfrm>
+          <a:off x="0" y="0"/>
+          <a:ext cx="0" cy="0"/>
+          <a:chOff x="0" y="0"/>
+          <a:chExt cx="0" cy="0"/>
+        </a:xfrm>
+      </p:grpSpPr>
+      <p:pic>
+        <p:nvPicPr>
+          <p:cNvPr id="4" name="Resim 3"/>
+          <p:cNvPicPr>
+            <a:picLocks noChangeAspect="1"/>
+          </p:cNvPicPr>
+          <p:nvPr/>
+        </p:nvPicPr>
+        <p:blipFill>
+          <a:blip r:embed="rId2">
+            <a:extLst>
+              <a:ext uri="{28A0092B-C50C-407E-A947-70E740481C1C}">
+                <a14:useLocalDpi xmlns:a14="http://schemas.microsoft.com/office/drawing/2010/main" val="0"/>
+              </a:ext>
+            </a:extLst>
+          </a:blip>
+          <a:stretch>
+            <a:fillRect/>
+          </a:stretch>
+        </p:blipFill>
+        <p:spPr>
+          <a:xfrm>
+            <a:off x="320842" y="0"/>
+            <a:ext cx="11550316" cy="6858000"/>
+          </a:xfrm>
+          <a:prstGeom prst="rect">
+            <a:avLst/>
+          </a:prstGeom>
+        </p:spPr>
+      </p:pic>
+      <p:sp>
+        <p:nvSpPr>
+          <p:cNvPr id="6" name="Metin kutusu 5"/>
+          <p:cNvSpPr txBox="1"/>
+          <p:nvPr/>
+        </p:nvSpPr>
+        <p:spPr>
+          <a:xfrm>
+            <a:off x="9593035" y="6334780"/>
+            <a:ext cx="2979963" cy="523220"/>
+          </a:xfrm>
+          <a:prstGeom prst="rect">
+            <a:avLst/>
+          </a:prstGeom>
+          <a:noFill/>
+        </p:spPr>
+        <p:txBody>
+          <a:bodyPr wrap="square" rtlCol="0">
+            <a:spAutoFit/>
+          </a:bodyPr>
+          <a:lstStyle/>
+          <a:p>
+            <a:r>
+              <a:rPr lang="en-US" sz="2800" dirty="0" smtClean="0">
+                <a:solidFill>
+                  <a:schemeClr val="bg1"/>
+                </a:solidFill>
+              </a:rPr>
+              <a:t>11/12/2024</a:t>
+            </a:r>
+            <a:endParaRPr lang="en-US" sz="2800" dirty="0">
+              <a:solidFill>
+                <a:schemeClr val="bg1"/>
+              </a:solidFill>
+            </a:endParaRPr>
+          </a:p>
+        </p:txBody>
+      </p:sp>
+    </p:spTree>
+    <p:extLst>
+      <p:ext uri="{BB962C8B-B14F-4D97-AF65-F5344CB8AC3E}">
+        <p14:creationId xmlns:p14="http://schemas.microsoft.com/office/powerpoint/2010/main" val="3871146446"/>
+      </p:ext>
+    </p:extLst>
+  </p:cSld>
+  <p:clrMapOvr>
+    <a:masterClrMapping/>
+  </p:clrMapOvr>
+  <p:timing>
+    <p:tnLst>
+      <p:par>
+        <p:cTn id="1" dur="indefinite" restart="never" nodeType="tmRoot"/>
+      </p:par>
+    </p:tnLst>
+  </p:timing>
 </p:sld>
 </file>
 

--- a/Proje/Commits.pptx
+++ b/Proje/Commits.pptx
@@ -5,10 +5,13 @@
     <p:sldMasterId id="2147483648" r:id="rId1"/>
   </p:sldMasterIdLst>
   <p:sldIdLst>
-    <p:sldId id="256" r:id="rId2"/>
-    <p:sldId id="257" r:id="rId3"/>
-    <p:sldId id="258" r:id="rId4"/>
-    <p:sldId id="259" r:id="rId5"/>
+    <p:sldId id="262" r:id="rId2"/>
+    <p:sldId id="256" r:id="rId3"/>
+    <p:sldId id="257" r:id="rId4"/>
+    <p:sldId id="258" r:id="rId5"/>
+    <p:sldId id="259" r:id="rId6"/>
+    <p:sldId id="260" r:id="rId7"/>
+    <p:sldId id="261" r:id="rId8"/>
   </p:sldIdLst>
   <p:sldSz cx="12192000" cy="6858000"/>
   <p:notesSz cx="6858000" cy="9144000"/>
@@ -246,7 +249,7 @@
           <a:p>
             <a:fld id="{A1DD1BA7-70F8-429A-B40F-D7C661990747}" type="datetimeFigureOut">
               <a:rPr lang="en-US" smtClean="0"/>
-              <a:t>12/11/2024</a:t>
+              <a:t>12/16/2024</a:t>
             </a:fld>
             <a:endParaRPr lang="en-US"/>
           </a:p>
@@ -416,7 +419,7 @@
           <a:p>
             <a:fld id="{A1DD1BA7-70F8-429A-B40F-D7C661990747}" type="datetimeFigureOut">
               <a:rPr lang="en-US" smtClean="0"/>
-              <a:t>12/11/2024</a:t>
+              <a:t>12/16/2024</a:t>
             </a:fld>
             <a:endParaRPr lang="en-US"/>
           </a:p>
@@ -596,7 +599,7 @@
           <a:p>
             <a:fld id="{A1DD1BA7-70F8-429A-B40F-D7C661990747}" type="datetimeFigureOut">
               <a:rPr lang="en-US" smtClean="0"/>
-              <a:t>12/11/2024</a:t>
+              <a:t>12/16/2024</a:t>
             </a:fld>
             <a:endParaRPr lang="en-US"/>
           </a:p>
@@ -766,7 +769,7 @@
           <a:p>
             <a:fld id="{A1DD1BA7-70F8-429A-B40F-D7C661990747}" type="datetimeFigureOut">
               <a:rPr lang="en-US" smtClean="0"/>
-              <a:t>12/11/2024</a:t>
+              <a:t>12/16/2024</a:t>
             </a:fld>
             <a:endParaRPr lang="en-US"/>
           </a:p>
@@ -1012,7 +1015,7 @@
           <a:p>
             <a:fld id="{A1DD1BA7-70F8-429A-B40F-D7C661990747}" type="datetimeFigureOut">
               <a:rPr lang="en-US" smtClean="0"/>
-              <a:t>12/11/2024</a:t>
+              <a:t>12/16/2024</a:t>
             </a:fld>
             <a:endParaRPr lang="en-US"/>
           </a:p>
@@ -1244,7 +1247,7 @@
           <a:p>
             <a:fld id="{A1DD1BA7-70F8-429A-B40F-D7C661990747}" type="datetimeFigureOut">
               <a:rPr lang="en-US" smtClean="0"/>
-              <a:t>12/11/2024</a:t>
+              <a:t>12/16/2024</a:t>
             </a:fld>
             <a:endParaRPr lang="en-US"/>
           </a:p>
@@ -1611,7 +1614,7 @@
           <a:p>
             <a:fld id="{A1DD1BA7-70F8-429A-B40F-D7C661990747}" type="datetimeFigureOut">
               <a:rPr lang="en-US" smtClean="0"/>
-              <a:t>12/11/2024</a:t>
+              <a:t>12/16/2024</a:t>
             </a:fld>
             <a:endParaRPr lang="en-US"/>
           </a:p>
@@ -1729,7 +1732,7 @@
           <a:p>
             <a:fld id="{A1DD1BA7-70F8-429A-B40F-D7C661990747}" type="datetimeFigureOut">
               <a:rPr lang="en-US" smtClean="0"/>
-              <a:t>12/11/2024</a:t>
+              <a:t>12/16/2024</a:t>
             </a:fld>
             <a:endParaRPr lang="en-US"/>
           </a:p>
@@ -1824,7 +1827,7 @@
           <a:p>
             <a:fld id="{A1DD1BA7-70F8-429A-B40F-D7C661990747}" type="datetimeFigureOut">
               <a:rPr lang="en-US" smtClean="0"/>
-              <a:t>12/11/2024</a:t>
+              <a:t>12/16/2024</a:t>
             </a:fld>
             <a:endParaRPr lang="en-US"/>
           </a:p>
@@ -2101,7 +2104,7 @@
           <a:p>
             <a:fld id="{A1DD1BA7-70F8-429A-B40F-D7C661990747}" type="datetimeFigureOut">
               <a:rPr lang="en-US" smtClean="0"/>
-              <a:t>12/11/2024</a:t>
+              <a:t>12/16/2024</a:t>
             </a:fld>
             <a:endParaRPr lang="en-US"/>
           </a:p>
@@ -2354,7 +2357,7 @@
           <a:p>
             <a:fld id="{A1DD1BA7-70F8-429A-B40F-D7C661990747}" type="datetimeFigureOut">
               <a:rPr lang="en-US" smtClean="0"/>
-              <a:t>12/11/2024</a:t>
+              <a:t>12/16/2024</a:t>
             </a:fld>
             <a:endParaRPr lang="en-US"/>
           </a:p>
@@ -2567,7 +2570,7 @@
           <a:p>
             <a:fld id="{A1DD1BA7-70F8-429A-B40F-D7C661990747}" type="datetimeFigureOut">
               <a:rPr lang="en-US" smtClean="0"/>
-              <a:t>12/11/2024</a:t>
+              <a:t>12/16/2024</a:t>
             </a:fld>
             <a:endParaRPr lang="en-US"/>
           </a:p>
@@ -2972,6 +2975,113 @@
           <a:chExt cx="0" cy="0"/>
         </a:xfrm>
       </p:grpSpPr>
+      <p:sp>
+        <p:nvSpPr>
+          <p:cNvPr id="2" name="Unvan 1"/>
+          <p:cNvSpPr>
+            <a:spLocks noGrp="1"/>
+          </p:cNvSpPr>
+          <p:nvPr>
+            <p:ph type="title"/>
+          </p:nvPr>
+        </p:nvSpPr>
+        <p:spPr>
+          <a:xfrm>
+            <a:off x="880381" y="1900011"/>
+            <a:ext cx="10515600" cy="1325563"/>
+          </a:xfrm>
+        </p:spPr>
+        <p:txBody>
+          <a:bodyPr/>
+          <a:lstStyle/>
+          <a:p>
+            <a:pPr algn="ctr"/>
+            <a:r>
+              <a:rPr lang="en-US" b="1" dirty="0" smtClean="0"/>
+              <a:t>SE 115 PROJECT GİTHUB COMMİTS</a:t>
+            </a:r>
+            <a:endParaRPr lang="en-US" b="1" dirty="0"/>
+          </a:p>
+        </p:txBody>
+      </p:sp>
+      <p:sp>
+        <p:nvSpPr>
+          <p:cNvPr id="3" name="İçerik Yer Tutucusu 2"/>
+          <p:cNvSpPr>
+            <a:spLocks noGrp="1"/>
+          </p:cNvSpPr>
+          <p:nvPr>
+            <p:ph idx="1"/>
+          </p:nvPr>
+        </p:nvSpPr>
+        <p:spPr>
+          <a:xfrm>
+            <a:off x="2661556" y="4392385"/>
+            <a:ext cx="6953250" cy="1907042"/>
+          </a:xfrm>
+        </p:spPr>
+        <p:txBody>
+          <a:bodyPr/>
+          <a:lstStyle/>
+          <a:p>
+            <a:pPr marL="0" indent="0" algn="ctr">
+              <a:buNone/>
+            </a:pPr>
+            <a:r>
+              <a:rPr lang="en-US" dirty="0" smtClean="0"/>
+              <a:t>Muhammet Ali ÖKAN</a:t>
+            </a:r>
+          </a:p>
+          <a:p>
+            <a:pPr marL="0" indent="0" algn="ctr">
+              <a:buNone/>
+            </a:pPr>
+            <a:r>
+              <a:rPr lang="en-US" dirty="0" smtClean="0"/>
+              <a:t>20230601057</a:t>
+            </a:r>
+          </a:p>
+          <a:p>
+            <a:pPr marL="0" indent="0" algn="ctr">
+              <a:buNone/>
+            </a:pPr>
+            <a:r>
+              <a:rPr lang="en-US" dirty="0" smtClean="0"/>
+              <a:t>Section 5</a:t>
+            </a:r>
+          </a:p>
+        </p:txBody>
+      </p:sp>
+    </p:spTree>
+    <p:extLst>
+      <p:ext uri="{BB962C8B-B14F-4D97-AF65-F5344CB8AC3E}">
+        <p14:creationId xmlns:p14="http://schemas.microsoft.com/office/powerpoint/2010/main" val="1775771569"/>
+      </p:ext>
+    </p:extLst>
+  </p:cSld>
+  <p:clrMapOvr>
+    <a:masterClrMapping/>
+  </p:clrMapOvr>
+</p:sld>
+</file>
+
+<file path=ppt/slides/slide2.xml><?xml version="1.0" encoding="utf-8"?>
+<p:sld xmlns:a="http://schemas.openxmlformats.org/drawingml/2006/main" xmlns:r="http://schemas.openxmlformats.org/officeDocument/2006/relationships" xmlns:p="http://schemas.openxmlformats.org/presentationml/2006/main">
+  <p:cSld>
+    <p:spTree>
+      <p:nvGrpSpPr>
+        <p:cNvPr id="1" name=""/>
+        <p:cNvGrpSpPr/>
+        <p:nvPr/>
+      </p:nvGrpSpPr>
+      <p:grpSpPr>
+        <a:xfrm>
+          <a:off x="0" y="0"/>
+          <a:ext cx="0" cy="0"/>
+          <a:chOff x="0" y="0"/>
+          <a:chExt cx="0" cy="0"/>
+        </a:xfrm>
+      </p:grpSpPr>
       <p:pic>
         <p:nvPicPr>
           <p:cNvPr id="4" name="Resim 3"/>
@@ -3043,111 +3153,6 @@
     <p:extLst>
       <p:ext uri="{BB962C8B-B14F-4D97-AF65-F5344CB8AC3E}">
         <p14:creationId xmlns:p14="http://schemas.microsoft.com/office/powerpoint/2010/main" val="2995083724"/>
-      </p:ext>
-    </p:extLst>
-  </p:cSld>
-  <p:clrMapOvr>
-    <a:masterClrMapping/>
-  </p:clrMapOvr>
-  <p:timing>
-    <p:tnLst>
-      <p:par>
-        <p:cTn id="1" dur="indefinite" restart="never" nodeType="tmRoot"/>
-      </p:par>
-    </p:tnLst>
-  </p:timing>
-</p:sld>
-</file>
-
-<file path=ppt/slides/slide2.xml><?xml version="1.0" encoding="utf-8"?>
-<p:sld xmlns:a="http://schemas.openxmlformats.org/drawingml/2006/main" xmlns:r="http://schemas.openxmlformats.org/officeDocument/2006/relationships" xmlns:p="http://schemas.openxmlformats.org/presentationml/2006/main">
-  <p:cSld>
-    <p:spTree>
-      <p:nvGrpSpPr>
-        <p:cNvPr id="1" name=""/>
-        <p:cNvGrpSpPr/>
-        <p:nvPr/>
-      </p:nvGrpSpPr>
-      <p:grpSpPr>
-        <a:xfrm>
-          <a:off x="0" y="0"/>
-          <a:ext cx="0" cy="0"/>
-          <a:chOff x="0" y="0"/>
-          <a:chExt cx="0" cy="0"/>
-        </a:xfrm>
-      </p:grpSpPr>
-      <p:pic>
-        <p:nvPicPr>
-          <p:cNvPr id="4" name="Resim 3"/>
-          <p:cNvPicPr>
-            <a:picLocks noChangeAspect="1"/>
-          </p:cNvPicPr>
-          <p:nvPr/>
-        </p:nvPicPr>
-        <p:blipFill>
-          <a:blip r:embed="rId2">
-            <a:extLst>
-              <a:ext uri="{28A0092B-C50C-407E-A947-70E740481C1C}">
-                <a14:useLocalDpi xmlns:a14="http://schemas.microsoft.com/office/drawing/2010/main" val="0"/>
-              </a:ext>
-            </a:extLst>
-          </a:blip>
-          <a:stretch>
-            <a:fillRect/>
-          </a:stretch>
-        </p:blipFill>
-        <p:spPr>
-          <a:xfrm>
-            <a:off x="320842" y="0"/>
-            <a:ext cx="11550316" cy="6858000"/>
-          </a:xfrm>
-          <a:prstGeom prst="rect">
-            <a:avLst/>
-          </a:prstGeom>
-        </p:spPr>
-      </p:pic>
-      <p:sp>
-        <p:nvSpPr>
-          <p:cNvPr id="5" name="Metin kutusu 4"/>
-          <p:cNvSpPr txBox="1"/>
-          <p:nvPr/>
-        </p:nvSpPr>
-        <p:spPr>
-          <a:xfrm>
-            <a:off x="9813471" y="6334780"/>
-            <a:ext cx="2979963" cy="523220"/>
-          </a:xfrm>
-          <a:prstGeom prst="rect">
-            <a:avLst/>
-          </a:prstGeom>
-          <a:noFill/>
-        </p:spPr>
-        <p:txBody>
-          <a:bodyPr wrap="square" rtlCol="0">
-            <a:spAutoFit/>
-          </a:bodyPr>
-          <a:lstStyle/>
-          <a:p>
-            <a:r>
-              <a:rPr lang="en-US" sz="2800" dirty="0" smtClean="0">
-                <a:solidFill>
-                  <a:schemeClr val="bg1"/>
-                </a:solidFill>
-              </a:rPr>
-              <a:t>11/12/2024</a:t>
-            </a:r>
-            <a:endParaRPr lang="en-US" sz="2800" dirty="0">
-              <a:solidFill>
-                <a:schemeClr val="bg1"/>
-              </a:solidFill>
-            </a:endParaRPr>
-          </a:p>
-        </p:txBody>
-      </p:sp>
-    </p:spTree>
-    <p:extLst>
-      <p:ext uri="{BB962C8B-B14F-4D97-AF65-F5344CB8AC3E}">
-        <p14:creationId xmlns:p14="http://schemas.microsoft.com/office/powerpoint/2010/main" val="4212119411"/>
       </p:ext>
     </p:extLst>
   </p:cSld>
@@ -3219,7 +3224,7 @@
         </p:nvSpPr>
         <p:spPr>
           <a:xfrm>
-            <a:off x="9633857" y="6334780"/>
+            <a:off x="9813471" y="6334780"/>
             <a:ext cx="2979963" cy="523220"/>
           </a:xfrm>
           <a:prstGeom prst="rect">
@@ -3252,7 +3257,7 @@
     </p:spTree>
     <p:extLst>
       <p:ext uri="{BB962C8B-B14F-4D97-AF65-F5344CB8AC3E}">
-        <p14:creationId xmlns:p14="http://schemas.microsoft.com/office/powerpoint/2010/main" val="2994784296"/>
+        <p14:creationId xmlns:p14="http://schemas.microsoft.com/office/powerpoint/2010/main" val="4212119411"/>
       </p:ext>
     </p:extLst>
   </p:cSld>
@@ -3318,6 +3323,111 @@
       </p:pic>
       <p:sp>
         <p:nvSpPr>
+          <p:cNvPr id="5" name="Metin kutusu 4"/>
+          <p:cNvSpPr txBox="1"/>
+          <p:nvPr/>
+        </p:nvSpPr>
+        <p:spPr>
+          <a:xfrm>
+            <a:off x="9633857" y="6334780"/>
+            <a:ext cx="2979963" cy="523220"/>
+          </a:xfrm>
+          <a:prstGeom prst="rect">
+            <a:avLst/>
+          </a:prstGeom>
+          <a:noFill/>
+        </p:spPr>
+        <p:txBody>
+          <a:bodyPr wrap="square" rtlCol="0">
+            <a:spAutoFit/>
+          </a:bodyPr>
+          <a:lstStyle/>
+          <a:p>
+            <a:r>
+              <a:rPr lang="en-US" sz="2800" dirty="0" smtClean="0">
+                <a:solidFill>
+                  <a:schemeClr val="bg1"/>
+                </a:solidFill>
+              </a:rPr>
+              <a:t>11/12/2024</a:t>
+            </a:r>
+            <a:endParaRPr lang="en-US" sz="2800" dirty="0">
+              <a:solidFill>
+                <a:schemeClr val="bg1"/>
+              </a:solidFill>
+            </a:endParaRPr>
+          </a:p>
+        </p:txBody>
+      </p:sp>
+    </p:spTree>
+    <p:extLst>
+      <p:ext uri="{BB962C8B-B14F-4D97-AF65-F5344CB8AC3E}">
+        <p14:creationId xmlns:p14="http://schemas.microsoft.com/office/powerpoint/2010/main" val="2994784296"/>
+      </p:ext>
+    </p:extLst>
+  </p:cSld>
+  <p:clrMapOvr>
+    <a:masterClrMapping/>
+  </p:clrMapOvr>
+  <p:timing>
+    <p:tnLst>
+      <p:par>
+        <p:cTn id="1" dur="indefinite" restart="never" nodeType="tmRoot"/>
+      </p:par>
+    </p:tnLst>
+  </p:timing>
+</p:sld>
+</file>
+
+<file path=ppt/slides/slide5.xml><?xml version="1.0" encoding="utf-8"?>
+<p:sld xmlns:a="http://schemas.openxmlformats.org/drawingml/2006/main" xmlns:r="http://schemas.openxmlformats.org/officeDocument/2006/relationships" xmlns:p="http://schemas.openxmlformats.org/presentationml/2006/main">
+  <p:cSld>
+    <p:spTree>
+      <p:nvGrpSpPr>
+        <p:cNvPr id="1" name=""/>
+        <p:cNvGrpSpPr/>
+        <p:nvPr/>
+      </p:nvGrpSpPr>
+      <p:grpSpPr>
+        <a:xfrm>
+          <a:off x="0" y="0"/>
+          <a:ext cx="0" cy="0"/>
+          <a:chOff x="0" y="0"/>
+          <a:chExt cx="0" cy="0"/>
+        </a:xfrm>
+      </p:grpSpPr>
+      <p:pic>
+        <p:nvPicPr>
+          <p:cNvPr id="4" name="Resim 3"/>
+          <p:cNvPicPr>
+            <a:picLocks noChangeAspect="1"/>
+          </p:cNvPicPr>
+          <p:nvPr/>
+        </p:nvPicPr>
+        <p:blipFill>
+          <a:blip r:embed="rId2">
+            <a:extLst>
+              <a:ext uri="{28A0092B-C50C-407E-A947-70E740481C1C}">
+                <a14:useLocalDpi xmlns:a14="http://schemas.microsoft.com/office/drawing/2010/main" val="0"/>
+              </a:ext>
+            </a:extLst>
+          </a:blip>
+          <a:stretch>
+            <a:fillRect/>
+          </a:stretch>
+        </p:blipFill>
+        <p:spPr>
+          <a:xfrm>
+            <a:off x="320842" y="0"/>
+            <a:ext cx="11550316" cy="6858000"/>
+          </a:xfrm>
+          <a:prstGeom prst="rect">
+            <a:avLst/>
+          </a:prstGeom>
+        </p:spPr>
+      </p:pic>
+      <p:sp>
+        <p:nvSpPr>
           <p:cNvPr id="6" name="Metin kutusu 5"/>
           <p:cNvSpPr txBox="1"/>
           <p:nvPr/>
@@ -3371,6 +3481,210 @@
       </p:par>
     </p:tnLst>
   </p:timing>
+</p:sld>
+</file>
+
+<file path=ppt/slides/slide6.xml><?xml version="1.0" encoding="utf-8"?>
+<p:sld xmlns:a="http://schemas.openxmlformats.org/drawingml/2006/main" xmlns:r="http://schemas.openxmlformats.org/officeDocument/2006/relationships" xmlns:p="http://schemas.openxmlformats.org/presentationml/2006/main">
+  <p:cSld>
+    <p:spTree>
+      <p:nvGrpSpPr>
+        <p:cNvPr id="1" name=""/>
+        <p:cNvGrpSpPr/>
+        <p:nvPr/>
+      </p:nvGrpSpPr>
+      <p:grpSpPr>
+        <a:xfrm>
+          <a:off x="0" y="0"/>
+          <a:ext cx="0" cy="0"/>
+          <a:chOff x="0" y="0"/>
+          <a:chExt cx="0" cy="0"/>
+        </a:xfrm>
+      </p:grpSpPr>
+      <p:pic>
+        <p:nvPicPr>
+          <p:cNvPr id="4" name="Resim 3"/>
+          <p:cNvPicPr>
+            <a:picLocks noChangeAspect="1"/>
+          </p:cNvPicPr>
+          <p:nvPr/>
+        </p:nvPicPr>
+        <p:blipFill>
+          <a:blip r:embed="rId2">
+            <a:extLst>
+              <a:ext uri="{28A0092B-C50C-407E-A947-70E740481C1C}">
+                <a14:useLocalDpi xmlns:a14="http://schemas.microsoft.com/office/drawing/2010/main" val="0"/>
+              </a:ext>
+            </a:extLst>
+          </a:blip>
+          <a:stretch>
+            <a:fillRect/>
+          </a:stretch>
+        </p:blipFill>
+        <p:spPr>
+          <a:xfrm>
+            <a:off x="609599" y="0"/>
+            <a:ext cx="10972801" cy="6858000"/>
+          </a:xfrm>
+          <a:prstGeom prst="rect">
+            <a:avLst/>
+          </a:prstGeom>
+        </p:spPr>
+      </p:pic>
+      <p:sp>
+        <p:nvSpPr>
+          <p:cNvPr id="5" name="Metin kutusu 4"/>
+          <p:cNvSpPr txBox="1"/>
+          <p:nvPr/>
+        </p:nvSpPr>
+        <p:spPr>
+          <a:xfrm>
+            <a:off x="9593035" y="6016373"/>
+            <a:ext cx="2979963" cy="523220"/>
+          </a:xfrm>
+          <a:prstGeom prst="rect">
+            <a:avLst/>
+          </a:prstGeom>
+          <a:noFill/>
+        </p:spPr>
+        <p:txBody>
+          <a:bodyPr wrap="square" rtlCol="0">
+            <a:spAutoFit/>
+          </a:bodyPr>
+          <a:lstStyle/>
+          <a:p>
+            <a:r>
+              <a:rPr lang="en-US" sz="2800" dirty="0" smtClean="0">
+                <a:solidFill>
+                  <a:schemeClr val="bg1"/>
+                </a:solidFill>
+              </a:rPr>
+              <a:t>16</a:t>
+            </a:r>
+            <a:r>
+              <a:rPr lang="en-US" sz="2800" dirty="0" smtClean="0">
+                <a:solidFill>
+                  <a:schemeClr val="bg1"/>
+                </a:solidFill>
+              </a:rPr>
+              <a:t>/12/2024</a:t>
+            </a:r>
+            <a:endParaRPr lang="en-US" sz="2800" dirty="0">
+              <a:solidFill>
+                <a:schemeClr val="bg1"/>
+              </a:solidFill>
+            </a:endParaRPr>
+          </a:p>
+        </p:txBody>
+      </p:sp>
+    </p:spTree>
+    <p:extLst>
+      <p:ext uri="{BB962C8B-B14F-4D97-AF65-F5344CB8AC3E}">
+        <p14:creationId xmlns:p14="http://schemas.microsoft.com/office/powerpoint/2010/main" val="1880371174"/>
+      </p:ext>
+    </p:extLst>
+  </p:cSld>
+  <p:clrMapOvr>
+    <a:masterClrMapping/>
+  </p:clrMapOvr>
+</p:sld>
+</file>
+
+<file path=ppt/slides/slide7.xml><?xml version="1.0" encoding="utf-8"?>
+<p:sld xmlns:a="http://schemas.openxmlformats.org/drawingml/2006/main" xmlns:r="http://schemas.openxmlformats.org/officeDocument/2006/relationships" xmlns:p="http://schemas.openxmlformats.org/presentationml/2006/main">
+  <p:cSld>
+    <p:spTree>
+      <p:nvGrpSpPr>
+        <p:cNvPr id="1" name=""/>
+        <p:cNvGrpSpPr/>
+        <p:nvPr/>
+      </p:nvGrpSpPr>
+      <p:grpSpPr>
+        <a:xfrm>
+          <a:off x="0" y="0"/>
+          <a:ext cx="0" cy="0"/>
+          <a:chOff x="0" y="0"/>
+          <a:chExt cx="0" cy="0"/>
+        </a:xfrm>
+      </p:grpSpPr>
+      <p:pic>
+        <p:nvPicPr>
+          <p:cNvPr id="4" name="Resim 3"/>
+          <p:cNvPicPr>
+            <a:picLocks noChangeAspect="1"/>
+          </p:cNvPicPr>
+          <p:nvPr/>
+        </p:nvPicPr>
+        <p:blipFill>
+          <a:blip r:embed="rId2">
+            <a:extLst>
+              <a:ext uri="{28A0092B-C50C-407E-A947-70E740481C1C}">
+                <a14:useLocalDpi xmlns:a14="http://schemas.microsoft.com/office/drawing/2010/main" val="0"/>
+              </a:ext>
+            </a:extLst>
+          </a:blip>
+          <a:stretch>
+            <a:fillRect/>
+          </a:stretch>
+        </p:blipFill>
+        <p:spPr>
+          <a:xfrm>
+            <a:off x="609599" y="0"/>
+            <a:ext cx="10972801" cy="6858000"/>
+          </a:xfrm>
+          <a:prstGeom prst="rect">
+            <a:avLst/>
+          </a:prstGeom>
+        </p:spPr>
+      </p:pic>
+      <p:sp>
+        <p:nvSpPr>
+          <p:cNvPr id="5" name="Metin kutusu 4"/>
+          <p:cNvSpPr txBox="1"/>
+          <p:nvPr/>
+        </p:nvSpPr>
+        <p:spPr>
+          <a:xfrm>
+            <a:off x="9421585" y="5444873"/>
+            <a:ext cx="2979963" cy="523220"/>
+          </a:xfrm>
+          <a:prstGeom prst="rect">
+            <a:avLst/>
+          </a:prstGeom>
+          <a:noFill/>
+        </p:spPr>
+        <p:txBody>
+          <a:bodyPr wrap="square" rtlCol="0">
+            <a:spAutoFit/>
+          </a:bodyPr>
+          <a:lstStyle/>
+          <a:p>
+            <a:r>
+              <a:rPr lang="en-US" sz="2800" dirty="0" smtClean="0">
+                <a:solidFill>
+                  <a:schemeClr val="bg1"/>
+                </a:solidFill>
+              </a:rPr>
+              <a:t>16/12/2024</a:t>
+            </a:r>
+            <a:endParaRPr lang="en-US" sz="2800" dirty="0">
+              <a:solidFill>
+                <a:schemeClr val="bg1"/>
+              </a:solidFill>
+            </a:endParaRPr>
+          </a:p>
+        </p:txBody>
+      </p:sp>
+    </p:spTree>
+    <p:extLst>
+      <p:ext uri="{BB962C8B-B14F-4D97-AF65-F5344CB8AC3E}">
+        <p14:creationId xmlns:p14="http://schemas.microsoft.com/office/powerpoint/2010/main" val="3939265432"/>
+      </p:ext>
+    </p:extLst>
+  </p:cSld>
+  <p:clrMapOvr>
+    <a:masterClrMapping/>
+  </p:clrMapOvr>
 </p:sld>
 </file>
 

--- a/Proje/Commits.pptx
+++ b/Proje/Commits.pptx
@@ -12,6 +12,8 @@
     <p:sldId id="259" r:id="rId6"/>
     <p:sldId id="260" r:id="rId7"/>
     <p:sldId id="261" r:id="rId8"/>
+    <p:sldId id="263" r:id="rId9"/>
+    <p:sldId id="264" r:id="rId10"/>
   </p:sldIdLst>
   <p:sldSz cx="12192000" cy="6858000"/>
   <p:notesSz cx="6858000" cy="9144000"/>
@@ -249,7 +251,7 @@
           <a:p>
             <a:fld id="{A1DD1BA7-70F8-429A-B40F-D7C661990747}" type="datetimeFigureOut">
               <a:rPr lang="en-US" smtClean="0"/>
-              <a:t>12/16/2024</a:t>
+              <a:t>12/18/2024</a:t>
             </a:fld>
             <a:endParaRPr lang="en-US"/>
           </a:p>
@@ -419,7 +421,7 @@
           <a:p>
             <a:fld id="{A1DD1BA7-70F8-429A-B40F-D7C661990747}" type="datetimeFigureOut">
               <a:rPr lang="en-US" smtClean="0"/>
-              <a:t>12/16/2024</a:t>
+              <a:t>12/18/2024</a:t>
             </a:fld>
             <a:endParaRPr lang="en-US"/>
           </a:p>
@@ -599,7 +601,7 @@
           <a:p>
             <a:fld id="{A1DD1BA7-70F8-429A-B40F-D7C661990747}" type="datetimeFigureOut">
               <a:rPr lang="en-US" smtClean="0"/>
-              <a:t>12/16/2024</a:t>
+              <a:t>12/18/2024</a:t>
             </a:fld>
             <a:endParaRPr lang="en-US"/>
           </a:p>
@@ -769,7 +771,7 @@
           <a:p>
             <a:fld id="{A1DD1BA7-70F8-429A-B40F-D7C661990747}" type="datetimeFigureOut">
               <a:rPr lang="en-US" smtClean="0"/>
-              <a:t>12/16/2024</a:t>
+              <a:t>12/18/2024</a:t>
             </a:fld>
             <a:endParaRPr lang="en-US"/>
           </a:p>
@@ -1015,7 +1017,7 @@
           <a:p>
             <a:fld id="{A1DD1BA7-70F8-429A-B40F-D7C661990747}" type="datetimeFigureOut">
               <a:rPr lang="en-US" smtClean="0"/>
-              <a:t>12/16/2024</a:t>
+              <a:t>12/18/2024</a:t>
             </a:fld>
             <a:endParaRPr lang="en-US"/>
           </a:p>
@@ -1247,7 +1249,7 @@
           <a:p>
             <a:fld id="{A1DD1BA7-70F8-429A-B40F-D7C661990747}" type="datetimeFigureOut">
               <a:rPr lang="en-US" smtClean="0"/>
-              <a:t>12/16/2024</a:t>
+              <a:t>12/18/2024</a:t>
             </a:fld>
             <a:endParaRPr lang="en-US"/>
           </a:p>
@@ -1614,7 +1616,7 @@
           <a:p>
             <a:fld id="{A1DD1BA7-70F8-429A-B40F-D7C661990747}" type="datetimeFigureOut">
               <a:rPr lang="en-US" smtClean="0"/>
-              <a:t>12/16/2024</a:t>
+              <a:t>12/18/2024</a:t>
             </a:fld>
             <a:endParaRPr lang="en-US"/>
           </a:p>
@@ -1732,7 +1734,7 @@
           <a:p>
             <a:fld id="{A1DD1BA7-70F8-429A-B40F-D7C661990747}" type="datetimeFigureOut">
               <a:rPr lang="en-US" smtClean="0"/>
-              <a:t>12/16/2024</a:t>
+              <a:t>12/18/2024</a:t>
             </a:fld>
             <a:endParaRPr lang="en-US"/>
           </a:p>
@@ -1827,7 +1829,7 @@
           <a:p>
             <a:fld id="{A1DD1BA7-70F8-429A-B40F-D7C661990747}" type="datetimeFigureOut">
               <a:rPr lang="en-US" smtClean="0"/>
-              <a:t>12/16/2024</a:t>
+              <a:t>12/18/2024</a:t>
             </a:fld>
             <a:endParaRPr lang="en-US"/>
           </a:p>
@@ -2104,7 +2106,7 @@
           <a:p>
             <a:fld id="{A1DD1BA7-70F8-429A-B40F-D7C661990747}" type="datetimeFigureOut">
               <a:rPr lang="en-US" smtClean="0"/>
-              <a:t>12/16/2024</a:t>
+              <a:t>12/18/2024</a:t>
             </a:fld>
             <a:endParaRPr lang="en-US"/>
           </a:p>
@@ -2357,7 +2359,7 @@
           <a:p>
             <a:fld id="{A1DD1BA7-70F8-429A-B40F-D7C661990747}" type="datetimeFigureOut">
               <a:rPr lang="en-US" smtClean="0"/>
-              <a:t>12/16/2024</a:t>
+              <a:t>12/18/2024</a:t>
             </a:fld>
             <a:endParaRPr lang="en-US"/>
           </a:p>
@@ -2570,7 +2572,7 @@
           <a:p>
             <a:fld id="{A1DD1BA7-70F8-429A-B40F-D7C661990747}" type="datetimeFigureOut">
               <a:rPr lang="en-US" smtClean="0"/>
-              <a:t>12/16/2024</a:t>
+              <a:t>12/18/2024</a:t>
             </a:fld>
             <a:endParaRPr lang="en-US"/>
           </a:p>
@@ -3559,15 +3561,7 @@
                   <a:schemeClr val="bg1"/>
                 </a:solidFill>
               </a:rPr>
-              <a:t>16</a:t>
-            </a:r>
-            <a:r>
-              <a:rPr lang="en-US" sz="2800" dirty="0" smtClean="0">
-                <a:solidFill>
-                  <a:schemeClr val="bg1"/>
-                </a:solidFill>
-              </a:rPr>
-              <a:t>/12/2024</a:t>
+              <a:t>16/12/2024</a:t>
             </a:r>
             <a:endParaRPr lang="en-US" sz="2800" dirty="0">
               <a:solidFill>
@@ -3679,6 +3673,202 @@
     <p:extLst>
       <p:ext uri="{BB962C8B-B14F-4D97-AF65-F5344CB8AC3E}">
         <p14:creationId xmlns:p14="http://schemas.microsoft.com/office/powerpoint/2010/main" val="3939265432"/>
+      </p:ext>
+    </p:extLst>
+  </p:cSld>
+  <p:clrMapOvr>
+    <a:masterClrMapping/>
+  </p:clrMapOvr>
+</p:sld>
+</file>
+
+<file path=ppt/slides/slide8.xml><?xml version="1.0" encoding="utf-8"?>
+<p:sld xmlns:a="http://schemas.openxmlformats.org/drawingml/2006/main" xmlns:r="http://schemas.openxmlformats.org/officeDocument/2006/relationships" xmlns:p="http://schemas.openxmlformats.org/presentationml/2006/main">
+  <p:cSld>
+    <p:spTree>
+      <p:nvGrpSpPr>
+        <p:cNvPr id="1" name=""/>
+        <p:cNvGrpSpPr/>
+        <p:nvPr/>
+      </p:nvGrpSpPr>
+      <p:grpSpPr>
+        <a:xfrm>
+          <a:off x="0" y="0"/>
+          <a:ext cx="0" cy="0"/>
+          <a:chOff x="0" y="0"/>
+          <a:chExt cx="0" cy="0"/>
+        </a:xfrm>
+      </p:grpSpPr>
+      <p:pic>
+        <p:nvPicPr>
+          <p:cNvPr id="4" name="Resim 3"/>
+          <p:cNvPicPr>
+            <a:picLocks noChangeAspect="1"/>
+          </p:cNvPicPr>
+          <p:nvPr/>
+        </p:nvPicPr>
+        <p:blipFill>
+          <a:blip r:embed="rId2">
+            <a:extLst>
+              <a:ext uri="{28A0092B-C50C-407E-A947-70E740481C1C}">
+                <a14:useLocalDpi xmlns:a14="http://schemas.microsoft.com/office/drawing/2010/main" val="0"/>
+              </a:ext>
+            </a:extLst>
+          </a:blip>
+          <a:stretch>
+            <a:fillRect/>
+          </a:stretch>
+        </p:blipFill>
+        <p:spPr>
+          <a:xfrm>
+            <a:off x="59072" y="0"/>
+            <a:ext cx="12073855" cy="6858000"/>
+          </a:xfrm>
+          <a:prstGeom prst="rect">
+            <a:avLst/>
+          </a:prstGeom>
+        </p:spPr>
+      </p:pic>
+      <p:sp>
+        <p:nvSpPr>
+          <p:cNvPr id="5" name="Metin kutusu 4"/>
+          <p:cNvSpPr txBox="1"/>
+          <p:nvPr/>
+        </p:nvSpPr>
+        <p:spPr>
+          <a:xfrm>
+            <a:off x="9421585" y="5444873"/>
+            <a:ext cx="2979963" cy="523220"/>
+          </a:xfrm>
+          <a:prstGeom prst="rect">
+            <a:avLst/>
+          </a:prstGeom>
+          <a:noFill/>
+        </p:spPr>
+        <p:txBody>
+          <a:bodyPr wrap="square" rtlCol="0">
+            <a:spAutoFit/>
+          </a:bodyPr>
+          <a:lstStyle/>
+          <a:p>
+            <a:r>
+              <a:rPr lang="en-US" sz="2800" dirty="0" smtClean="0">
+                <a:solidFill>
+                  <a:schemeClr val="bg1"/>
+                </a:solidFill>
+              </a:rPr>
+              <a:t>18/12/2024</a:t>
+            </a:r>
+            <a:endParaRPr lang="en-US" sz="2800" dirty="0">
+              <a:solidFill>
+                <a:schemeClr val="bg1"/>
+              </a:solidFill>
+            </a:endParaRPr>
+          </a:p>
+        </p:txBody>
+      </p:sp>
+    </p:spTree>
+    <p:extLst>
+      <p:ext uri="{BB962C8B-B14F-4D97-AF65-F5344CB8AC3E}">
+        <p14:creationId xmlns:p14="http://schemas.microsoft.com/office/powerpoint/2010/main" val="648092992"/>
+      </p:ext>
+    </p:extLst>
+  </p:cSld>
+  <p:clrMapOvr>
+    <a:masterClrMapping/>
+  </p:clrMapOvr>
+</p:sld>
+</file>
+
+<file path=ppt/slides/slide9.xml><?xml version="1.0" encoding="utf-8"?>
+<p:sld xmlns:a="http://schemas.openxmlformats.org/drawingml/2006/main" xmlns:r="http://schemas.openxmlformats.org/officeDocument/2006/relationships" xmlns:p="http://schemas.openxmlformats.org/presentationml/2006/main">
+  <p:cSld>
+    <p:spTree>
+      <p:nvGrpSpPr>
+        <p:cNvPr id="1" name=""/>
+        <p:cNvGrpSpPr/>
+        <p:nvPr/>
+      </p:nvGrpSpPr>
+      <p:grpSpPr>
+        <a:xfrm>
+          <a:off x="0" y="0"/>
+          <a:ext cx="0" cy="0"/>
+          <a:chOff x="0" y="0"/>
+          <a:chExt cx="0" cy="0"/>
+        </a:xfrm>
+      </p:grpSpPr>
+      <p:pic>
+        <p:nvPicPr>
+          <p:cNvPr id="4" name="Resim 3"/>
+          <p:cNvPicPr>
+            <a:picLocks noChangeAspect="1"/>
+          </p:cNvPicPr>
+          <p:nvPr/>
+        </p:nvPicPr>
+        <p:blipFill>
+          <a:blip r:embed="rId2">
+            <a:extLst>
+              <a:ext uri="{28A0092B-C50C-407E-A947-70E740481C1C}">
+                <a14:useLocalDpi xmlns:a14="http://schemas.microsoft.com/office/drawing/2010/main" val="0"/>
+              </a:ext>
+            </a:extLst>
+          </a:blip>
+          <a:stretch>
+            <a:fillRect/>
+          </a:stretch>
+        </p:blipFill>
+        <p:spPr>
+          <a:xfrm>
+            <a:off x="0" y="118546"/>
+            <a:ext cx="12192000" cy="6620907"/>
+          </a:xfrm>
+          <a:prstGeom prst="rect">
+            <a:avLst/>
+          </a:prstGeom>
+        </p:spPr>
+      </p:pic>
+      <p:sp>
+        <p:nvSpPr>
+          <p:cNvPr id="5" name="Metin kutusu 4"/>
+          <p:cNvSpPr txBox="1"/>
+          <p:nvPr/>
+        </p:nvSpPr>
+        <p:spPr>
+          <a:xfrm>
+            <a:off x="9421585" y="5444873"/>
+            <a:ext cx="2979963" cy="523220"/>
+          </a:xfrm>
+          <a:prstGeom prst="rect">
+            <a:avLst/>
+          </a:prstGeom>
+          <a:noFill/>
+        </p:spPr>
+        <p:txBody>
+          <a:bodyPr wrap="square" rtlCol="0">
+            <a:spAutoFit/>
+          </a:bodyPr>
+          <a:lstStyle/>
+          <a:p>
+            <a:r>
+              <a:rPr lang="en-US" sz="2800" dirty="0" smtClean="0">
+                <a:solidFill>
+                  <a:schemeClr val="bg1"/>
+                </a:solidFill>
+              </a:rPr>
+              <a:t>18/12/2024</a:t>
+            </a:r>
+            <a:endParaRPr lang="en-US" sz="2800" dirty="0">
+              <a:solidFill>
+                <a:schemeClr val="bg1"/>
+              </a:solidFill>
+            </a:endParaRPr>
+          </a:p>
+        </p:txBody>
+      </p:sp>
+    </p:spTree>
+    <p:extLst>
+      <p:ext uri="{BB962C8B-B14F-4D97-AF65-F5344CB8AC3E}">
+        <p14:creationId xmlns:p14="http://schemas.microsoft.com/office/powerpoint/2010/main" val="446921971"/>
       </p:ext>
     </p:extLst>
   </p:cSld>

--- a/Proje/Commits.pptx
+++ b/Proje/Commits.pptx
@@ -14,6 +14,7 @@
     <p:sldId id="261" r:id="rId8"/>
     <p:sldId id="263" r:id="rId9"/>
     <p:sldId id="264" r:id="rId10"/>
+    <p:sldId id="265" r:id="rId11"/>
   </p:sldIdLst>
   <p:sldSz cx="12192000" cy="6858000"/>
   <p:notesSz cx="6858000" cy="9144000"/>
@@ -251,7 +252,7 @@
           <a:p>
             <a:fld id="{A1DD1BA7-70F8-429A-B40F-D7C661990747}" type="datetimeFigureOut">
               <a:rPr lang="en-US" smtClean="0"/>
-              <a:t>12/18/2024</a:t>
+              <a:t>12/19/2024</a:t>
             </a:fld>
             <a:endParaRPr lang="en-US"/>
           </a:p>
@@ -421,7 +422,7 @@
           <a:p>
             <a:fld id="{A1DD1BA7-70F8-429A-B40F-D7C661990747}" type="datetimeFigureOut">
               <a:rPr lang="en-US" smtClean="0"/>
-              <a:t>12/18/2024</a:t>
+              <a:t>12/19/2024</a:t>
             </a:fld>
             <a:endParaRPr lang="en-US"/>
           </a:p>
@@ -601,7 +602,7 @@
           <a:p>
             <a:fld id="{A1DD1BA7-70F8-429A-B40F-D7C661990747}" type="datetimeFigureOut">
               <a:rPr lang="en-US" smtClean="0"/>
-              <a:t>12/18/2024</a:t>
+              <a:t>12/19/2024</a:t>
             </a:fld>
             <a:endParaRPr lang="en-US"/>
           </a:p>
@@ -771,7 +772,7 @@
           <a:p>
             <a:fld id="{A1DD1BA7-70F8-429A-B40F-D7C661990747}" type="datetimeFigureOut">
               <a:rPr lang="en-US" smtClean="0"/>
-              <a:t>12/18/2024</a:t>
+              <a:t>12/19/2024</a:t>
             </a:fld>
             <a:endParaRPr lang="en-US"/>
           </a:p>
@@ -1017,7 +1018,7 @@
           <a:p>
             <a:fld id="{A1DD1BA7-70F8-429A-B40F-D7C661990747}" type="datetimeFigureOut">
               <a:rPr lang="en-US" smtClean="0"/>
-              <a:t>12/18/2024</a:t>
+              <a:t>12/19/2024</a:t>
             </a:fld>
             <a:endParaRPr lang="en-US"/>
           </a:p>
@@ -1249,7 +1250,7 @@
           <a:p>
             <a:fld id="{A1DD1BA7-70F8-429A-B40F-D7C661990747}" type="datetimeFigureOut">
               <a:rPr lang="en-US" smtClean="0"/>
-              <a:t>12/18/2024</a:t>
+              <a:t>12/19/2024</a:t>
             </a:fld>
             <a:endParaRPr lang="en-US"/>
           </a:p>
@@ -1616,7 +1617,7 @@
           <a:p>
             <a:fld id="{A1DD1BA7-70F8-429A-B40F-D7C661990747}" type="datetimeFigureOut">
               <a:rPr lang="en-US" smtClean="0"/>
-              <a:t>12/18/2024</a:t>
+              <a:t>12/19/2024</a:t>
             </a:fld>
             <a:endParaRPr lang="en-US"/>
           </a:p>
@@ -1734,7 +1735,7 @@
           <a:p>
             <a:fld id="{A1DD1BA7-70F8-429A-B40F-D7C661990747}" type="datetimeFigureOut">
               <a:rPr lang="en-US" smtClean="0"/>
-              <a:t>12/18/2024</a:t>
+              <a:t>12/19/2024</a:t>
             </a:fld>
             <a:endParaRPr lang="en-US"/>
           </a:p>
@@ -1829,7 +1830,7 @@
           <a:p>
             <a:fld id="{A1DD1BA7-70F8-429A-B40F-D7C661990747}" type="datetimeFigureOut">
               <a:rPr lang="en-US" smtClean="0"/>
-              <a:t>12/18/2024</a:t>
+              <a:t>12/19/2024</a:t>
             </a:fld>
             <a:endParaRPr lang="en-US"/>
           </a:p>
@@ -2106,7 +2107,7 @@
           <a:p>
             <a:fld id="{A1DD1BA7-70F8-429A-B40F-D7C661990747}" type="datetimeFigureOut">
               <a:rPr lang="en-US" smtClean="0"/>
-              <a:t>12/18/2024</a:t>
+              <a:t>12/19/2024</a:t>
             </a:fld>
             <a:endParaRPr lang="en-US"/>
           </a:p>
@@ -2359,7 +2360,7 @@
           <a:p>
             <a:fld id="{A1DD1BA7-70F8-429A-B40F-D7C661990747}" type="datetimeFigureOut">
               <a:rPr lang="en-US" smtClean="0"/>
-              <a:t>12/18/2024</a:t>
+              <a:t>12/19/2024</a:t>
             </a:fld>
             <a:endParaRPr lang="en-US"/>
           </a:p>
@@ -2572,7 +2573,7 @@
           <a:p>
             <a:fld id="{A1DD1BA7-70F8-429A-B40F-D7C661990747}" type="datetimeFigureOut">
               <a:rPr lang="en-US" smtClean="0"/>
-              <a:t>12/18/2024</a:t>
+              <a:t>12/19/2024</a:t>
             </a:fld>
             <a:endParaRPr lang="en-US"/>
           </a:p>
@@ -3067,6 +3068,66 @@
 </p:sld>
 </file>
 
+<file path=ppt/slides/slide10.xml><?xml version="1.0" encoding="utf-8"?>
+<p:sld xmlns:a="http://schemas.openxmlformats.org/drawingml/2006/main" xmlns:r="http://schemas.openxmlformats.org/officeDocument/2006/relationships" xmlns:p="http://schemas.openxmlformats.org/presentationml/2006/main">
+  <p:cSld>
+    <p:spTree>
+      <p:nvGrpSpPr>
+        <p:cNvPr id="1" name=""/>
+        <p:cNvGrpSpPr/>
+        <p:nvPr/>
+      </p:nvGrpSpPr>
+      <p:grpSpPr>
+        <a:xfrm>
+          <a:off x="0" y="0"/>
+          <a:ext cx="0" cy="0"/>
+          <a:chOff x="0" y="0"/>
+          <a:chExt cx="0" cy="0"/>
+        </a:xfrm>
+      </p:grpSpPr>
+      <p:pic>
+        <p:nvPicPr>
+          <p:cNvPr id="4" name="Resim 3"/>
+          <p:cNvPicPr>
+            <a:picLocks noChangeAspect="1"/>
+          </p:cNvPicPr>
+          <p:nvPr/>
+        </p:nvPicPr>
+        <p:blipFill>
+          <a:blip r:embed="rId2">
+            <a:extLst>
+              <a:ext uri="{28A0092B-C50C-407E-A947-70E740481C1C}">
+                <a14:useLocalDpi xmlns:a14="http://schemas.microsoft.com/office/drawing/2010/main" val="0"/>
+              </a:ext>
+            </a:extLst>
+          </a:blip>
+          <a:stretch>
+            <a:fillRect/>
+          </a:stretch>
+        </p:blipFill>
+        <p:spPr>
+          <a:xfrm>
+            <a:off x="607884" y="0"/>
+            <a:ext cx="10976232" cy="6858000"/>
+          </a:xfrm>
+          <a:prstGeom prst="rect">
+            <a:avLst/>
+          </a:prstGeom>
+        </p:spPr>
+      </p:pic>
+    </p:spTree>
+    <p:extLst>
+      <p:ext uri="{BB962C8B-B14F-4D97-AF65-F5344CB8AC3E}">
+        <p14:creationId xmlns:p14="http://schemas.microsoft.com/office/powerpoint/2010/main" val="4102164371"/>
+      </p:ext>
+    </p:extLst>
+  </p:cSld>
+  <p:clrMapOvr>
+    <a:masterClrMapping/>
+  </p:clrMapOvr>
+</p:sld>
+</file>
+
 <file path=ppt/slides/slide2.xml><?xml version="1.0" encoding="utf-8"?>
 <p:sld xmlns:a="http://schemas.openxmlformats.org/drawingml/2006/main" xmlns:r="http://schemas.openxmlformats.org/officeDocument/2006/relationships" xmlns:p="http://schemas.openxmlformats.org/presentationml/2006/main">
   <p:cSld>

--- a/Proje/Commits.pptx
+++ b/Proje/Commits.pptx
@@ -15,6 +15,8 @@
     <p:sldId id="263" r:id="rId9"/>
     <p:sldId id="264" r:id="rId10"/>
     <p:sldId id="265" r:id="rId11"/>
+    <p:sldId id="266" r:id="rId12"/>
+    <p:sldId id="267" r:id="rId13"/>
   </p:sldIdLst>
   <p:sldSz cx="12192000" cy="6858000"/>
   <p:notesSz cx="6858000" cy="9144000"/>
@@ -252,7 +254,7 @@
           <a:p>
             <a:fld id="{A1DD1BA7-70F8-429A-B40F-D7C661990747}" type="datetimeFigureOut">
               <a:rPr lang="en-US" smtClean="0"/>
-              <a:t>12/19/2024</a:t>
+              <a:t>12/20/2024</a:t>
             </a:fld>
             <a:endParaRPr lang="en-US"/>
           </a:p>
@@ -422,7 +424,7 @@
           <a:p>
             <a:fld id="{A1DD1BA7-70F8-429A-B40F-D7C661990747}" type="datetimeFigureOut">
               <a:rPr lang="en-US" smtClean="0"/>
-              <a:t>12/19/2024</a:t>
+              <a:t>12/20/2024</a:t>
             </a:fld>
             <a:endParaRPr lang="en-US"/>
           </a:p>
@@ -602,7 +604,7 @@
           <a:p>
             <a:fld id="{A1DD1BA7-70F8-429A-B40F-D7C661990747}" type="datetimeFigureOut">
               <a:rPr lang="en-US" smtClean="0"/>
-              <a:t>12/19/2024</a:t>
+              <a:t>12/20/2024</a:t>
             </a:fld>
             <a:endParaRPr lang="en-US"/>
           </a:p>
@@ -772,7 +774,7 @@
           <a:p>
             <a:fld id="{A1DD1BA7-70F8-429A-B40F-D7C661990747}" type="datetimeFigureOut">
               <a:rPr lang="en-US" smtClean="0"/>
-              <a:t>12/19/2024</a:t>
+              <a:t>12/20/2024</a:t>
             </a:fld>
             <a:endParaRPr lang="en-US"/>
           </a:p>
@@ -1018,7 +1020,7 @@
           <a:p>
             <a:fld id="{A1DD1BA7-70F8-429A-B40F-D7C661990747}" type="datetimeFigureOut">
               <a:rPr lang="en-US" smtClean="0"/>
-              <a:t>12/19/2024</a:t>
+              <a:t>12/20/2024</a:t>
             </a:fld>
             <a:endParaRPr lang="en-US"/>
           </a:p>
@@ -1250,7 +1252,7 @@
           <a:p>
             <a:fld id="{A1DD1BA7-70F8-429A-B40F-D7C661990747}" type="datetimeFigureOut">
               <a:rPr lang="en-US" smtClean="0"/>
-              <a:t>12/19/2024</a:t>
+              <a:t>12/20/2024</a:t>
             </a:fld>
             <a:endParaRPr lang="en-US"/>
           </a:p>
@@ -1617,7 +1619,7 @@
           <a:p>
             <a:fld id="{A1DD1BA7-70F8-429A-B40F-D7C661990747}" type="datetimeFigureOut">
               <a:rPr lang="en-US" smtClean="0"/>
-              <a:t>12/19/2024</a:t>
+              <a:t>12/20/2024</a:t>
             </a:fld>
             <a:endParaRPr lang="en-US"/>
           </a:p>
@@ -1735,7 +1737,7 @@
           <a:p>
             <a:fld id="{A1DD1BA7-70F8-429A-B40F-D7C661990747}" type="datetimeFigureOut">
               <a:rPr lang="en-US" smtClean="0"/>
-              <a:t>12/19/2024</a:t>
+              <a:t>12/20/2024</a:t>
             </a:fld>
             <a:endParaRPr lang="en-US"/>
           </a:p>
@@ -1830,7 +1832,7 @@
           <a:p>
             <a:fld id="{A1DD1BA7-70F8-429A-B40F-D7C661990747}" type="datetimeFigureOut">
               <a:rPr lang="en-US" smtClean="0"/>
-              <a:t>12/19/2024</a:t>
+              <a:t>12/20/2024</a:t>
             </a:fld>
             <a:endParaRPr lang="en-US"/>
           </a:p>
@@ -2107,7 +2109,7 @@
           <a:p>
             <a:fld id="{A1DD1BA7-70F8-429A-B40F-D7C661990747}" type="datetimeFigureOut">
               <a:rPr lang="en-US" smtClean="0"/>
-              <a:t>12/19/2024</a:t>
+              <a:t>12/20/2024</a:t>
             </a:fld>
             <a:endParaRPr lang="en-US"/>
           </a:p>
@@ -2360,7 +2362,7 @@
           <a:p>
             <a:fld id="{A1DD1BA7-70F8-429A-B40F-D7C661990747}" type="datetimeFigureOut">
               <a:rPr lang="en-US" smtClean="0"/>
-              <a:t>12/19/2024</a:t>
+              <a:t>12/20/2024</a:t>
             </a:fld>
             <a:endParaRPr lang="en-US"/>
           </a:p>
@@ -2573,7 +2575,7 @@
           <a:p>
             <a:fld id="{A1DD1BA7-70F8-429A-B40F-D7C661990747}" type="datetimeFigureOut">
               <a:rPr lang="en-US" smtClean="0"/>
-              <a:t>12/19/2024</a:t>
+              <a:t>12/20/2024</a:t>
             </a:fld>
             <a:endParaRPr lang="en-US"/>
           </a:p>
@@ -3115,10 +3117,252 @@
           </a:prstGeom>
         </p:spPr>
       </p:pic>
+      <p:sp>
+        <p:nvSpPr>
+          <p:cNvPr id="3" name="Metin kutusu 2"/>
+          <p:cNvSpPr txBox="1"/>
+          <p:nvPr/>
+        </p:nvSpPr>
+        <p:spPr>
+          <a:xfrm>
+            <a:off x="9111343" y="6008209"/>
+            <a:ext cx="2979963" cy="523220"/>
+          </a:xfrm>
+          <a:prstGeom prst="rect">
+            <a:avLst/>
+          </a:prstGeom>
+          <a:noFill/>
+        </p:spPr>
+        <p:txBody>
+          <a:bodyPr wrap="square" rtlCol="0">
+            <a:spAutoFit/>
+          </a:bodyPr>
+          <a:lstStyle/>
+          <a:p>
+            <a:r>
+              <a:rPr lang="en-US" sz="2800" dirty="0" smtClean="0">
+                <a:solidFill>
+                  <a:schemeClr val="bg1"/>
+                </a:solidFill>
+              </a:rPr>
+              <a:t>19/12/2024</a:t>
+            </a:r>
+            <a:endParaRPr lang="en-US" sz="2800" dirty="0">
+              <a:solidFill>
+                <a:schemeClr val="bg1"/>
+              </a:solidFill>
+            </a:endParaRPr>
+          </a:p>
+        </p:txBody>
+      </p:sp>
     </p:spTree>
     <p:extLst>
       <p:ext uri="{BB962C8B-B14F-4D97-AF65-F5344CB8AC3E}">
         <p14:creationId xmlns:p14="http://schemas.microsoft.com/office/powerpoint/2010/main" val="4102164371"/>
+      </p:ext>
+    </p:extLst>
+  </p:cSld>
+  <p:clrMapOvr>
+    <a:masterClrMapping/>
+  </p:clrMapOvr>
+</p:sld>
+</file>
+
+<file path=ppt/slides/slide11.xml><?xml version="1.0" encoding="utf-8"?>
+<p:sld xmlns:a="http://schemas.openxmlformats.org/drawingml/2006/main" xmlns:r="http://schemas.openxmlformats.org/officeDocument/2006/relationships" xmlns:p="http://schemas.openxmlformats.org/presentationml/2006/main">
+  <p:cSld>
+    <p:spTree>
+      <p:nvGrpSpPr>
+        <p:cNvPr id="1" name=""/>
+        <p:cNvGrpSpPr/>
+        <p:nvPr/>
+      </p:nvGrpSpPr>
+      <p:grpSpPr>
+        <a:xfrm>
+          <a:off x="0" y="0"/>
+          <a:ext cx="0" cy="0"/>
+          <a:chOff x="0" y="0"/>
+          <a:chExt cx="0" cy="0"/>
+        </a:xfrm>
+      </p:grpSpPr>
+      <p:pic>
+        <p:nvPicPr>
+          <p:cNvPr id="4" name="Resim 3"/>
+          <p:cNvPicPr>
+            <a:picLocks noChangeAspect="1"/>
+          </p:cNvPicPr>
+          <p:nvPr/>
+        </p:nvPicPr>
+        <p:blipFill>
+          <a:blip r:embed="rId2">
+            <a:extLst>
+              <a:ext uri="{28A0092B-C50C-407E-A947-70E740481C1C}">
+                <a14:useLocalDpi xmlns:a14="http://schemas.microsoft.com/office/drawing/2010/main" val="0"/>
+              </a:ext>
+            </a:extLst>
+          </a:blip>
+          <a:stretch>
+            <a:fillRect/>
+          </a:stretch>
+        </p:blipFill>
+        <p:spPr>
+          <a:xfrm>
+            <a:off x="609599" y="0"/>
+            <a:ext cx="10972801" cy="6858000"/>
+          </a:xfrm>
+          <a:prstGeom prst="rect">
+            <a:avLst/>
+          </a:prstGeom>
+        </p:spPr>
+      </p:pic>
+      <p:sp>
+        <p:nvSpPr>
+          <p:cNvPr id="5" name="Metin kutusu 4"/>
+          <p:cNvSpPr txBox="1"/>
+          <p:nvPr/>
+        </p:nvSpPr>
+        <p:spPr>
+          <a:xfrm>
+            <a:off x="4947556" y="5542844"/>
+            <a:ext cx="2979963" cy="523220"/>
+          </a:xfrm>
+          <a:prstGeom prst="rect">
+            <a:avLst/>
+          </a:prstGeom>
+          <a:noFill/>
+        </p:spPr>
+        <p:txBody>
+          <a:bodyPr wrap="square" rtlCol="0">
+            <a:spAutoFit/>
+          </a:bodyPr>
+          <a:lstStyle/>
+          <a:p>
+            <a:r>
+              <a:rPr lang="en-US" sz="2800" dirty="0" smtClean="0">
+                <a:solidFill>
+                  <a:schemeClr val="bg1"/>
+                </a:solidFill>
+              </a:rPr>
+              <a:t>20</a:t>
+            </a:r>
+            <a:r>
+              <a:rPr lang="en-US" sz="2800" dirty="0" smtClean="0">
+                <a:solidFill>
+                  <a:schemeClr val="bg1"/>
+                </a:solidFill>
+              </a:rPr>
+              <a:t>/12/2024</a:t>
+            </a:r>
+            <a:endParaRPr lang="en-US" sz="2800" dirty="0">
+              <a:solidFill>
+                <a:schemeClr val="bg1"/>
+              </a:solidFill>
+            </a:endParaRPr>
+          </a:p>
+        </p:txBody>
+      </p:sp>
+    </p:spTree>
+    <p:extLst>
+      <p:ext uri="{BB962C8B-B14F-4D97-AF65-F5344CB8AC3E}">
+        <p14:creationId xmlns:p14="http://schemas.microsoft.com/office/powerpoint/2010/main" val="323527866"/>
+      </p:ext>
+    </p:extLst>
+  </p:cSld>
+  <p:clrMapOvr>
+    <a:masterClrMapping/>
+  </p:clrMapOvr>
+</p:sld>
+</file>
+
+<file path=ppt/slides/slide12.xml><?xml version="1.0" encoding="utf-8"?>
+<p:sld xmlns:a="http://schemas.openxmlformats.org/drawingml/2006/main" xmlns:r="http://schemas.openxmlformats.org/officeDocument/2006/relationships" xmlns:p="http://schemas.openxmlformats.org/presentationml/2006/main">
+  <p:cSld>
+    <p:spTree>
+      <p:nvGrpSpPr>
+        <p:cNvPr id="1" name=""/>
+        <p:cNvGrpSpPr/>
+        <p:nvPr/>
+      </p:nvGrpSpPr>
+      <p:grpSpPr>
+        <a:xfrm>
+          <a:off x="0" y="0"/>
+          <a:ext cx="0" cy="0"/>
+          <a:chOff x="0" y="0"/>
+          <a:chExt cx="0" cy="0"/>
+        </a:xfrm>
+      </p:grpSpPr>
+      <p:pic>
+        <p:nvPicPr>
+          <p:cNvPr id="4" name="Resim 3"/>
+          <p:cNvPicPr>
+            <a:picLocks noChangeAspect="1"/>
+          </p:cNvPicPr>
+          <p:nvPr/>
+        </p:nvPicPr>
+        <p:blipFill>
+          <a:blip r:embed="rId2">
+            <a:extLst>
+              <a:ext uri="{28A0092B-C50C-407E-A947-70E740481C1C}">
+                <a14:useLocalDpi xmlns:a14="http://schemas.microsoft.com/office/drawing/2010/main" val="0"/>
+              </a:ext>
+            </a:extLst>
+          </a:blip>
+          <a:stretch>
+            <a:fillRect/>
+          </a:stretch>
+        </p:blipFill>
+        <p:spPr>
+          <a:xfrm>
+            <a:off x="609599" y="0"/>
+            <a:ext cx="10972801" cy="6858000"/>
+          </a:xfrm>
+          <a:prstGeom prst="rect">
+            <a:avLst/>
+          </a:prstGeom>
+        </p:spPr>
+      </p:pic>
+      <p:sp>
+        <p:nvSpPr>
+          <p:cNvPr id="5" name="Metin kutusu 4"/>
+          <p:cNvSpPr txBox="1"/>
+          <p:nvPr/>
+        </p:nvSpPr>
+        <p:spPr>
+          <a:xfrm>
+            <a:off x="6474278" y="5755116"/>
+            <a:ext cx="2979963" cy="523220"/>
+          </a:xfrm>
+          <a:prstGeom prst="rect">
+            <a:avLst/>
+          </a:prstGeom>
+          <a:noFill/>
+        </p:spPr>
+        <p:txBody>
+          <a:bodyPr wrap="square" rtlCol="0">
+            <a:spAutoFit/>
+          </a:bodyPr>
+          <a:lstStyle/>
+          <a:p>
+            <a:r>
+              <a:rPr lang="en-US" sz="2800" dirty="0" smtClean="0">
+                <a:solidFill>
+                  <a:schemeClr val="bg1"/>
+                </a:solidFill>
+              </a:rPr>
+              <a:t>20/12/2024</a:t>
+            </a:r>
+            <a:endParaRPr lang="en-US" sz="2800" dirty="0">
+              <a:solidFill>
+                <a:schemeClr val="bg1"/>
+              </a:solidFill>
+            </a:endParaRPr>
+          </a:p>
+        </p:txBody>
+      </p:sp>
+    </p:spTree>
+    <p:extLst>
+      <p:ext uri="{BB962C8B-B14F-4D97-AF65-F5344CB8AC3E}">
+        <p14:creationId xmlns:p14="http://schemas.microsoft.com/office/powerpoint/2010/main" val="2991820187"/>
       </p:ext>
     </p:extLst>
   </p:cSld>
